--- a/posters/ccar.pptx
+++ b/posters/ccar.pptx
@@ -17798,441 +17798,6 @@
       </p:pic>
       <p:sp>
         <p:nvSpPr>
-          <p:cNvPr id="94" name="Shape 94"/>
-          <p:cNvSpPr txBox="1"/>
-          <p:nvPr/>
-        </p:nvSpPr>
-        <p:spPr>
-          <a:xfrm>
-            <a:off x="40521467" y="10820408"/>
-            <a:ext cx="17576800" cy="1543037"/>
-          </a:xfrm>
-          <a:prstGeom prst="rect">
-            <a:avLst/>
-          </a:prstGeom>
-          <a:noFill/>
-          <a:ln>
-            <a:noFill/>
-          </a:ln>
-        </p:spPr>
-        <p:txBody>
-          <a:bodyPr spcFirstLastPara="1" wrap="square" lIns="91425" tIns="45700" rIns="91425" bIns="45700" anchor="t" anchorCtr="0">
-            <a:noAutofit/>
-          </a:bodyPr>
-          <a:lstStyle/>
-          <a:p>
-            <a:pPr marL="0" marR="0" lvl="0" indent="0" algn="l" rtl="0">
-              <a:lnSpc>
-                <a:spcPct val="100000"/>
-              </a:lnSpc>
-              <a:spcBef>
-                <a:spcPts val="0"/>
-              </a:spcBef>
-              <a:spcAft>
-                <a:spcPts val="0"/>
-              </a:spcAft>
-              <a:buClr>
-                <a:schemeClr val="dk1"/>
-              </a:buClr>
-              <a:buSzPts val="7800"/>
-              <a:buFont typeface="Arial"/>
-              <a:buNone/>
-            </a:pPr>
-            <a:r>
-              <a:rPr lang="en-US" sz="7800" b="1" dirty="0">
-                <a:solidFill>
-                  <a:schemeClr val="dk1"/>
-                </a:solidFill>
-              </a:rPr>
-              <a:t>HARDWARE </a:t>
-            </a:r>
-            <a:r>
-              <a:rPr lang="en-US" sz="7800" b="1" dirty="0" smtClean="0">
-                <a:solidFill>
-                  <a:schemeClr val="dk1"/>
-                </a:solidFill>
-              </a:rPr>
-              <a:t>DESIGN PROGRESS</a:t>
-            </a:r>
-            <a:endParaRPr sz="7800" b="1" dirty="0">
-              <a:solidFill>
-                <a:schemeClr val="dk1"/>
-              </a:solidFill>
-            </a:endParaRPr>
-          </a:p>
-          <a:p>
-            <a:pPr marL="0" marR="0" lvl="0" indent="0" algn="l" rtl="0">
-              <a:lnSpc>
-                <a:spcPct val="100000"/>
-              </a:lnSpc>
-              <a:spcBef>
-                <a:spcPts val="0"/>
-              </a:spcBef>
-              <a:spcAft>
-                <a:spcPts val="0"/>
-              </a:spcAft>
-              <a:buClr>
-                <a:schemeClr val="dk1"/>
-              </a:buClr>
-              <a:buSzPts val="7800"/>
-              <a:buFont typeface="Arial"/>
-              <a:buNone/>
-            </a:pPr>
-            <a:endParaRPr lang="en-US" sz="7800" b="1" dirty="0" smtClean="0">
-              <a:solidFill>
-                <a:schemeClr val="dk1"/>
-              </a:solidFill>
-            </a:endParaRPr>
-          </a:p>
-          <a:p>
-            <a:pPr marL="0" marR="0" lvl="0" indent="0" algn="l" rtl="0">
-              <a:lnSpc>
-                <a:spcPct val="100000"/>
-              </a:lnSpc>
-              <a:spcBef>
-                <a:spcPts val="0"/>
-              </a:spcBef>
-              <a:spcAft>
-                <a:spcPts val="0"/>
-              </a:spcAft>
-              <a:buClr>
-                <a:schemeClr val="dk1"/>
-              </a:buClr>
-              <a:buSzPts val="7800"/>
-              <a:buFont typeface="Arial"/>
-              <a:buNone/>
-            </a:pPr>
-            <a:endParaRPr lang="en-US" sz="7800" b="1" dirty="0">
-              <a:solidFill>
-                <a:schemeClr val="dk1"/>
-              </a:solidFill>
-            </a:endParaRPr>
-          </a:p>
-          <a:p>
-            <a:pPr marL="0" marR="0" lvl="0" indent="0" algn="l" rtl="0">
-              <a:lnSpc>
-                <a:spcPct val="100000"/>
-              </a:lnSpc>
-              <a:spcBef>
-                <a:spcPts val="0"/>
-              </a:spcBef>
-              <a:spcAft>
-                <a:spcPts val="0"/>
-              </a:spcAft>
-              <a:buClr>
-                <a:schemeClr val="dk1"/>
-              </a:buClr>
-              <a:buSzPts val="7800"/>
-              <a:buFont typeface="Arial"/>
-              <a:buNone/>
-            </a:pPr>
-            <a:endParaRPr lang="en-US" sz="7800" b="1" dirty="0" smtClean="0">
-              <a:solidFill>
-                <a:schemeClr val="dk1"/>
-              </a:solidFill>
-            </a:endParaRPr>
-          </a:p>
-          <a:p>
-            <a:pPr marL="0" marR="0" lvl="0" indent="0" algn="l" rtl="0">
-              <a:lnSpc>
-                <a:spcPct val="100000"/>
-              </a:lnSpc>
-              <a:spcBef>
-                <a:spcPts val="0"/>
-              </a:spcBef>
-              <a:spcAft>
-                <a:spcPts val="0"/>
-              </a:spcAft>
-              <a:buClr>
-                <a:schemeClr val="dk1"/>
-              </a:buClr>
-              <a:buSzPts val="7800"/>
-              <a:buFont typeface="Arial"/>
-              <a:buNone/>
-            </a:pPr>
-            <a:endParaRPr lang="en-US" sz="7800" b="1" dirty="0">
-              <a:solidFill>
-                <a:schemeClr val="dk1"/>
-              </a:solidFill>
-            </a:endParaRPr>
-          </a:p>
-          <a:p>
-            <a:pPr marL="0" marR="0" lvl="0" indent="0" algn="l" rtl="0">
-              <a:lnSpc>
-                <a:spcPct val="100000"/>
-              </a:lnSpc>
-              <a:spcBef>
-                <a:spcPts val="0"/>
-              </a:spcBef>
-              <a:spcAft>
-                <a:spcPts val="0"/>
-              </a:spcAft>
-              <a:buClr>
-                <a:schemeClr val="dk1"/>
-              </a:buClr>
-              <a:buSzPts val="7800"/>
-              <a:buFont typeface="Arial"/>
-              <a:buNone/>
-            </a:pPr>
-            <a:endParaRPr lang="en-US" sz="7800" b="1" dirty="0">
-              <a:solidFill>
-                <a:schemeClr val="dk1"/>
-              </a:solidFill>
-            </a:endParaRPr>
-          </a:p>
-          <a:p>
-            <a:pPr marL="0" marR="0" lvl="0" indent="0" algn="l" rtl="0">
-              <a:lnSpc>
-                <a:spcPct val="100000"/>
-              </a:lnSpc>
-              <a:spcBef>
-                <a:spcPts val="0"/>
-              </a:spcBef>
-              <a:spcAft>
-                <a:spcPts val="0"/>
-              </a:spcAft>
-              <a:buClr>
-                <a:schemeClr val="dk1"/>
-              </a:buClr>
-              <a:buSzPts val="7800"/>
-              <a:buFont typeface="Arial"/>
-              <a:buNone/>
-            </a:pPr>
-            <a:endParaRPr lang="en-US" sz="3600" dirty="0" smtClean="0">
-              <a:solidFill>
-                <a:schemeClr val="dk1"/>
-              </a:solidFill>
-            </a:endParaRPr>
-          </a:p>
-          <a:p>
-            <a:pPr marL="0" marR="0" lvl="0" indent="0" algn="l" rtl="0">
-              <a:lnSpc>
-                <a:spcPct val="100000"/>
-              </a:lnSpc>
-              <a:spcBef>
-                <a:spcPts val="0"/>
-              </a:spcBef>
-              <a:spcAft>
-                <a:spcPts val="0"/>
-              </a:spcAft>
-              <a:buClr>
-                <a:schemeClr val="dk1"/>
-              </a:buClr>
-              <a:buSzPts val="7800"/>
-              <a:buFont typeface="Arial"/>
-              <a:buNone/>
-            </a:pPr>
-            <a:r>
-              <a:rPr lang="en-US" sz="3600" dirty="0" smtClean="0">
-                <a:solidFill>
-                  <a:schemeClr val="dk1"/>
-                </a:solidFill>
-              </a:rPr>
-              <a:t>                         Resolver Schematic                                           Resolver Board</a:t>
-            </a:r>
-          </a:p>
-          <a:p>
-            <a:pPr marL="0" marR="0" lvl="0" indent="0" algn="l" rtl="0">
-              <a:lnSpc>
-                <a:spcPct val="100000"/>
-              </a:lnSpc>
-              <a:spcBef>
-                <a:spcPts val="0"/>
-              </a:spcBef>
-              <a:spcAft>
-                <a:spcPts val="0"/>
-              </a:spcAft>
-              <a:buClr>
-                <a:schemeClr val="dk1"/>
-              </a:buClr>
-              <a:buSzPts val="7800"/>
-              <a:buFont typeface="Arial"/>
-              <a:buNone/>
-            </a:pPr>
-            <a:endParaRPr lang="en-US" sz="3600" dirty="0" smtClean="0">
-              <a:solidFill>
-                <a:schemeClr val="dk1"/>
-              </a:solidFill>
-            </a:endParaRPr>
-          </a:p>
-          <a:p>
-            <a:pPr marL="0" lvl="0" indent="0" rtl="0">
-              <a:spcBef>
-                <a:spcPts val="0"/>
-              </a:spcBef>
-              <a:spcAft>
-                <a:spcPts val="0"/>
-              </a:spcAft>
-              <a:buNone/>
-            </a:pPr>
-            <a:endParaRPr sz="7800" b="1" dirty="0">
-              <a:solidFill>
-                <a:schemeClr val="dk1"/>
-              </a:solidFill>
-            </a:endParaRPr>
-          </a:p>
-          <a:p>
-            <a:pPr marL="0" marR="0" lvl="0" indent="0" algn="l" rtl="0">
-              <a:lnSpc>
-                <a:spcPct val="100000"/>
-              </a:lnSpc>
-              <a:spcBef>
-                <a:spcPts val="3900"/>
-              </a:spcBef>
-              <a:spcAft>
-                <a:spcPts val="0"/>
-              </a:spcAft>
-              <a:buNone/>
-            </a:pPr>
-            <a:endParaRPr sz="7800" dirty="0">
-              <a:solidFill>
-                <a:schemeClr val="dk1"/>
-              </a:solidFill>
-            </a:endParaRPr>
-          </a:p>
-          <a:p>
-            <a:pPr marL="0" marR="0" lvl="0" indent="0" algn="l" rtl="0">
-              <a:lnSpc>
-                <a:spcPct val="100000"/>
-              </a:lnSpc>
-              <a:spcBef>
-                <a:spcPts val="3900"/>
-              </a:spcBef>
-              <a:spcAft>
-                <a:spcPts val="0"/>
-              </a:spcAft>
-              <a:buNone/>
-            </a:pPr>
-            <a:endParaRPr dirty="0"/>
-          </a:p>
-          <a:p>
-            <a:pPr marL="0" marR="0" lvl="0" indent="0" algn="l" rtl="0">
-              <a:lnSpc>
-                <a:spcPct val="100000"/>
-              </a:lnSpc>
-              <a:spcBef>
-                <a:spcPts val="3900"/>
-              </a:spcBef>
-              <a:spcAft>
-                <a:spcPts val="0"/>
-              </a:spcAft>
-              <a:buNone/>
-            </a:pPr>
-            <a:endParaRPr dirty="0"/>
-          </a:p>
-          <a:p>
-            <a:pPr marL="0" marR="0" lvl="0" indent="0" algn="l" rtl="0">
-              <a:lnSpc>
-                <a:spcPct val="100000"/>
-              </a:lnSpc>
-              <a:spcBef>
-                <a:spcPts val="3900"/>
-              </a:spcBef>
-              <a:spcAft>
-                <a:spcPts val="0"/>
-              </a:spcAft>
-              <a:buNone/>
-            </a:pPr>
-            <a:endParaRPr dirty="0"/>
-          </a:p>
-          <a:p>
-            <a:pPr marL="0" marR="0" lvl="0" indent="0" algn="l" rtl="0">
-              <a:lnSpc>
-                <a:spcPct val="100000"/>
-              </a:lnSpc>
-              <a:spcBef>
-                <a:spcPts val="3900"/>
-              </a:spcBef>
-              <a:spcAft>
-                <a:spcPts val="0"/>
-              </a:spcAft>
-              <a:buNone/>
-            </a:pPr>
-            <a:endParaRPr dirty="0"/>
-          </a:p>
-          <a:p>
-            <a:pPr marL="0" marR="0" lvl="0" indent="0" algn="l" rtl="0">
-              <a:lnSpc>
-                <a:spcPct val="100000"/>
-              </a:lnSpc>
-              <a:spcBef>
-                <a:spcPts val="3900"/>
-              </a:spcBef>
-              <a:spcAft>
-                <a:spcPts val="0"/>
-              </a:spcAft>
-              <a:buNone/>
-            </a:pPr>
-            <a:endParaRPr dirty="0"/>
-          </a:p>
-          <a:p>
-            <a:pPr marL="0" marR="0" lvl="0" indent="0" algn="l" rtl="0">
-              <a:lnSpc>
-                <a:spcPct val="100000"/>
-              </a:lnSpc>
-              <a:spcBef>
-                <a:spcPts val="3900"/>
-              </a:spcBef>
-              <a:spcAft>
-                <a:spcPts val="0"/>
-              </a:spcAft>
-              <a:buNone/>
-            </a:pPr>
-            <a:endParaRPr dirty="0"/>
-          </a:p>
-          <a:p>
-            <a:pPr marL="0" marR="0" lvl="0" indent="0" algn="l" rtl="0">
-              <a:lnSpc>
-                <a:spcPct val="100000"/>
-              </a:lnSpc>
-              <a:spcBef>
-                <a:spcPts val="3900"/>
-              </a:spcBef>
-              <a:spcAft>
-                <a:spcPts val="0"/>
-              </a:spcAft>
-              <a:buNone/>
-            </a:pPr>
-            <a:endParaRPr dirty="0"/>
-          </a:p>
-          <a:p>
-            <a:pPr marL="0" marR="0" lvl="0" indent="0" algn="l" rtl="0">
-              <a:lnSpc>
-                <a:spcPct val="100000"/>
-              </a:lnSpc>
-              <a:spcBef>
-                <a:spcPts val="3900"/>
-              </a:spcBef>
-              <a:spcAft>
-                <a:spcPts val="0"/>
-              </a:spcAft>
-              <a:buNone/>
-            </a:pPr>
-            <a:endParaRPr dirty="0"/>
-          </a:p>
-          <a:p>
-            <a:pPr marL="0" marR="0" lvl="0" indent="0" algn="l" rtl="0">
-              <a:lnSpc>
-                <a:spcPct val="100000"/>
-              </a:lnSpc>
-              <a:spcBef>
-                <a:spcPts val="3900"/>
-              </a:spcBef>
-              <a:spcAft>
-                <a:spcPts val="0"/>
-              </a:spcAft>
-              <a:buNone/>
-            </a:pPr>
-            <a:r>
-              <a:rPr lang="en-US" dirty="0"/>
-              <a:t> </a:t>
-            </a:r>
-            <a:endParaRPr dirty="0"/>
-          </a:p>
-        </p:txBody>
-      </p:sp>
-      <p:sp>
-        <p:nvSpPr>
           <p:cNvPr id="95" name="Shape 95"/>
           <p:cNvSpPr txBox="1"/>
           <p:nvPr/>
@@ -18274,7 +17839,7 @@
               <a:buNone/>
             </a:pPr>
             <a:r>
-              <a:rPr lang="en-US" sz="6600" b="1" i="0" u="none" strike="noStrike" cap="none" dirty="0" smtClean="0">
+              <a:rPr lang="en-US" sz="6600" b="1" i="0" u="none" strike="noStrike" cap="none" dirty="0">
                 <a:solidFill>
                   <a:schemeClr val="dk1"/>
                 </a:solidFill>
@@ -18313,11 +17878,6 @@
               </a:rPr>
               <a:t> 	</a:t>
             </a:r>
-            <a:endParaRPr lang="en-US" sz="4200" dirty="0" smtClean="0">
-              <a:solidFill>
-                <a:schemeClr val="dk1"/>
-              </a:solidFill>
-            </a:endParaRPr>
           </a:p>
           <a:p>
             <a:pPr marL="914400" lvl="1" indent="-495300" algn="just">
@@ -18332,20 +17892,12 @@
               <a:buChar char="○"/>
             </a:pPr>
             <a:r>
-              <a:rPr lang="en-US" sz="4200" dirty="0" smtClean="0">
+              <a:rPr lang="en-US" sz="4200" dirty="0">
                 <a:solidFill>
                   <a:schemeClr val="dk1"/>
                 </a:solidFill>
               </a:rPr>
-              <a:t>For </a:t>
-            </a:r>
-            <a:r>
-              <a:rPr lang="en-US" sz="4200" dirty="0">
-                <a:solidFill>
-                  <a:schemeClr val="dk1"/>
-                </a:solidFill>
-              </a:rPr>
-              <a:t>this control system we used a arduino Due (84MHz, 1MSPS). This controller allowed us to sample the position of the clutch up to 1 Mega sample per second allowing the sensing of the clutch position precisely. We used a linear potentiometer to sense the position.</a:t>
+              <a:t>For this control system we used a arduino Due (84MHz, 1MSPS). This controller allowed us to sample the position of the clutch up to 1 Mega sample per second allowing the sensing of the clutch position precisely. We used a linear potentiometer to sense the position.</a:t>
             </a:r>
           </a:p>
           <a:p>
@@ -18361,20 +17913,12 @@
               <a:buChar char="○"/>
             </a:pPr>
             <a:r>
-              <a:rPr lang="en-US" sz="4200" dirty="0" smtClean="0">
+              <a:rPr lang="en-US" sz="4200" dirty="0">
                 <a:solidFill>
                   <a:schemeClr val="dk1"/>
                 </a:solidFill>
               </a:rPr>
-              <a:t>To </a:t>
-            </a:r>
-            <a:r>
-              <a:rPr lang="en-US" sz="4200" dirty="0">
-                <a:solidFill>
-                  <a:schemeClr val="dk1"/>
-                </a:solidFill>
-              </a:rPr>
-              <a:t>control the pneumatic valves we used a pneumatic valves (intake, exhaust) with a response time of 10 milliseconds.</a:t>
+              <a:t>To control the pneumatic valves we used a pneumatic valves (intake, exhaust) with a response time of 10 milliseconds.</a:t>
             </a:r>
           </a:p>
           <a:p>
@@ -18390,7 +17934,7 @@
               <a:buChar char="○"/>
             </a:pPr>
             <a:r>
-              <a:rPr lang="en-US" sz="4200" dirty="0" smtClean="0">
+              <a:rPr lang="en-US" sz="4200" dirty="0">
                 <a:solidFill>
                   <a:schemeClr val="dk1"/>
                 </a:solidFill>
@@ -18461,12 +18005,20 @@
               <a:buNone/>
             </a:pPr>
             <a:r>
-              <a:rPr lang="en-US" sz="10000" b="1" dirty="0" smtClean="0">
+              <a:rPr lang="en-US" sz="10000" b="1" dirty="0">
                 <a:solidFill>
                   <a:schemeClr val="dk1"/>
                 </a:solidFill>
               </a:rPr>
-              <a:t>Design and implementation of an affordable </a:t>
+              <a:t>Combustion car clutch control, </a:t>
+            </a:r>
+            <a:r>
+              <a:rPr lang="en-US" sz="10000" b="1" dirty="0" err="1">
+                <a:solidFill>
+                  <a:schemeClr val="dk1"/>
+                </a:solidFill>
+              </a:rPr>
+              <a:t>BSPD</a:t>
             </a:r>
             <a:r>
               <a:rPr lang="en-US" sz="10000" b="1" dirty="0">
@@ -18474,17 +18026,8 @@
                   <a:schemeClr val="dk1"/>
                 </a:solidFill>
               </a:rPr>
-              <a:t>W</a:t>
+              <a:t> design</a:t>
             </a:r>
-            <a:r>
-              <a:rPr lang="en-US" sz="10000" b="1" dirty="0" smtClean="0">
-                <a:solidFill>
-                  <a:schemeClr val="dk1"/>
-                </a:solidFill>
-              </a:rPr>
-              <a:t>ind Turbine monitoring system</a:t>
-            </a:r>
-            <a:endParaRPr dirty="0"/>
           </a:p>
           <a:p>
             <a:pPr marL="0" marR="0" lvl="0" indent="0" algn="ctr" rtl="0">
@@ -18500,7 +18043,7 @@
               <a:buClr>
                 <a:schemeClr val="dk1"/>
               </a:buClr>
-              <a:buSzPts val="6000"/>
+              <a:buSzPts val="10000"/>
               <a:buFont typeface="Arial"/>
               <a:buNone/>
             </a:pPr>
@@ -18514,31 +18057,7 @@
                 <a:cs typeface="Arial"/>
                 <a:sym typeface="Arial"/>
               </a:rPr>
-              <a:t>By: </a:t>
-            </a:r>
-            <a:r>
-              <a:rPr lang="en-US" sz="6000" b="0" i="0" u="none" strike="noStrike" cap="none" dirty="0" smtClean="0">
-                <a:solidFill>
-                  <a:schemeClr val="dk1"/>
-                </a:solidFill>
-                <a:latin typeface="Arial"/>
-                <a:ea typeface="Arial"/>
-                <a:cs typeface="Arial"/>
-                <a:sym typeface="Arial"/>
-              </a:rPr>
-              <a:t>Luis </a:t>
-            </a:r>
-            <a:r>
-              <a:rPr lang="en-US" sz="6000" b="0" i="0" u="none" strike="noStrike" cap="none" dirty="0" smtClean="0">
-                <a:solidFill>
-                  <a:schemeClr val="dk1"/>
-                </a:solidFill>
-                <a:latin typeface="Arial"/>
-                <a:ea typeface="Arial"/>
-                <a:cs typeface="Arial"/>
-                <a:sym typeface="Arial"/>
-              </a:rPr>
-              <a:t>Chachayma</a:t>
+              <a:t>By: Luis Chachayma, Kelly O’Neill</a:t>
             </a:r>
             <a:endParaRPr dirty="0"/>
           </a:p>
@@ -18553,7 +18072,7 @@
         <p:spPr>
           <a:xfrm>
             <a:off x="2155449" y="7391407"/>
-            <a:ext cx="17284017" cy="2087711"/>
+            <a:ext cx="17284017" cy="11803191"/>
           </a:xfrm>
           <a:prstGeom prst="rect">
             <a:avLst/>
@@ -18619,14 +18138,92 @@
               <a:buNone/>
             </a:pPr>
             <a:r>
-              <a:rPr lang="en-US" sz="4200" dirty="0" err="1" smtClean="0">
+              <a:rPr lang="en-US" sz="4200" b="1" dirty="0">
                 <a:solidFill>
                   <a:schemeClr val="dk1"/>
                 </a:solidFill>
               </a:rPr>
-              <a:t>asdsa</a:t>
+              <a:t>Clutch Control System: </a:t>
             </a:r>
-            <a:endParaRPr lang="en-US" sz="4200" dirty="0" smtClean="0">
+            <a:r>
+              <a:rPr lang="en-US" sz="4200" dirty="0">
+                <a:solidFill>
+                  <a:schemeClr val="dk1"/>
+                </a:solidFill>
+              </a:rPr>
+              <a:t>The ECU control unit of the vehicle plays the most important role in a combustion vehicle. One of the functions is to manage the shifting, so the driver does not need to control the shifting manually.</a:t>
+            </a:r>
+          </a:p>
+          <a:p>
+            <a:pPr marL="0" marR="0" lvl="0" indent="0" algn="just" rtl="0">
+              <a:lnSpc>
+                <a:spcPct val="100000"/>
+              </a:lnSpc>
+              <a:spcBef>
+                <a:spcPts val="2600"/>
+              </a:spcBef>
+              <a:spcAft>
+                <a:spcPts val="0"/>
+              </a:spcAft>
+              <a:buClr>
+                <a:schemeClr val="dk1"/>
+              </a:buClr>
+              <a:buSzPts val="5200"/>
+              <a:buFont typeface="Arial"/>
+              <a:buNone/>
+            </a:pPr>
+            <a:r>
+              <a:rPr lang="en-US" sz="4200" dirty="0">
+                <a:solidFill>
+                  <a:schemeClr val="dk1"/>
+                </a:solidFill>
+              </a:rPr>
+              <a:t>For our formula SAE car we are using pneumatic cylinders and valves to control the position of the clutch. An inconvenient with this system is that the shifting is done by the ECU, so the movement of the clutch is extremely fast. This is not a problem for competitions, but the problem is that we cannot move the car slowly with out generating unnecessary wear down of the wheels and noise when we are out of a competition scenario.</a:t>
+            </a:r>
+          </a:p>
+          <a:p>
+            <a:pPr marL="0" marR="0" lvl="0" indent="0" algn="just" rtl="0">
+              <a:lnSpc>
+                <a:spcPct val="100000"/>
+              </a:lnSpc>
+              <a:spcBef>
+                <a:spcPts val="2600"/>
+              </a:spcBef>
+              <a:spcAft>
+                <a:spcPts val="0"/>
+              </a:spcAft>
+              <a:buClr>
+                <a:schemeClr val="dk1"/>
+              </a:buClr>
+              <a:buSzPts val="5200"/>
+              <a:buFont typeface="Arial"/>
+              <a:buNone/>
+            </a:pPr>
+            <a:r>
+              <a:rPr lang="en-US" sz="4200" b="1" dirty="0" err="1">
+                <a:solidFill>
+                  <a:schemeClr val="dk1"/>
+                </a:solidFill>
+              </a:rPr>
+              <a:t>BSPD</a:t>
+            </a:r>
+            <a:r>
+              <a:rPr lang="en-US" sz="4200" b="1" dirty="0">
+                <a:solidFill>
+                  <a:schemeClr val="dk1"/>
+                </a:solidFill>
+              </a:rPr>
+              <a:t> (Brake System Plausibility Device): </a:t>
+            </a:r>
+            <a:r>
+              <a:rPr lang="en-US" sz="4200" dirty="0">
+                <a:solidFill>
+                  <a:schemeClr val="dk1"/>
+                </a:solidFill>
+              </a:rPr>
+              <a:t>This system is necessary in order to detect faults during the driving. The fault should be activated if the driver presses the clutch and the accelerator at the same time from more than 0.5 seconds. This is required by formula SAE.</a:t>
+            </a:r>
+            <a:endParaRPr lang="en-US" sz="4200" b="1" dirty="0">
               <a:solidFill>
                 <a:schemeClr val="dk1"/>
               </a:solidFill>
@@ -18677,7 +18274,7 @@
               <a:buNone/>
             </a:pPr>
             <a:r>
-              <a:rPr lang="en-US" sz="3600" dirty="0" smtClean="0">
+              <a:rPr lang="en-US" sz="3600" dirty="0">
                 <a:solidFill>
                   <a:schemeClr val="dk1"/>
                 </a:solidFill>
@@ -18747,7 +18344,7 @@
               <a:buSzPts val="4200"/>
             </a:pPr>
             <a:r>
-              <a:rPr lang="en-US" sz="4200" b="1" dirty="0" smtClean="0">
+              <a:rPr lang="en-US" sz="4200" b="1" dirty="0">
                 <a:solidFill>
                   <a:schemeClr val="dk1"/>
                 </a:solidFill>
@@ -18755,7 +18352,7 @@
               <a:t>BSPD:</a:t>
             </a:r>
             <a:r>
-              <a:rPr lang="en-US" sz="4200" dirty="0" smtClean="0">
+              <a:rPr lang="en-US" sz="4200" dirty="0">
                 <a:solidFill>
                   <a:schemeClr val="dk1"/>
                 </a:solidFill>
@@ -18776,7 +18373,7 @@
               <a:buChar char="○"/>
             </a:pPr>
             <a:r>
-              <a:rPr lang="en-US" sz="4200" dirty="0" smtClean="0">
+              <a:rPr lang="en-US" sz="4200" dirty="0">
                 <a:solidFill>
                   <a:schemeClr val="dk1"/>
                 </a:solidFill>
@@ -18858,7 +18455,7 @@
               <a:buNone/>
             </a:pPr>
             <a:r>
-              <a:rPr lang="en-US" sz="3600" dirty="0" smtClean="0">
+              <a:rPr lang="en-US" sz="3600" dirty="0">
                 <a:solidFill>
                   <a:schemeClr val="dk1"/>
                 </a:solidFill>
@@ -18936,7 +18533,7 @@
               <a:buNone/>
             </a:pPr>
             <a:r>
-              <a:rPr lang="en-US" sz="3600" dirty="0" smtClean="0">
+              <a:rPr lang="en-US" sz="3600" dirty="0">
                 <a:solidFill>
                   <a:schemeClr val="dk1"/>
                 </a:solidFill>
@@ -18952,13 +18549,6 @@
   <p:clrMapOvr>
     <a:masterClrMapping/>
   </p:clrMapOvr>
-  <p:timing>
-    <p:tnLst>
-      <p:par>
-        <p:cTn id="1" dur="indefinite" restart="never" nodeType="tmRoot"/>
-      </p:par>
-    </p:tnLst>
-  </p:timing>
 </p:sld>
 </file>
 
